--- a/ObesityRiskFactors.pptx
+++ b/ObesityRiskFactors.pptx
@@ -211,7 +211,7 @@
           <a:p>
             <a:fld id="{502849AC-9339-E34F-BA9E-F5D7A77A3746}" type="datetimeFigureOut">
               <a:rPr lang="en-US" smtClean="0"/>
-              <a:t>6/8/2023</a:t>
+              <a:t>6/5/23</a:t>
             </a:fld>
             <a:endParaRPr lang="en-US"/>
           </a:p>
@@ -1151,7 +1151,7 @@
           <a:p>
             <a:fld id="{D7FAFFF7-A8A4-7946-B6C2-8B2A49ECA073}" type="datetimeFigureOut">
               <a:rPr lang="en-US" smtClean="0"/>
-              <a:t>6/8/2023</a:t>
+              <a:t>6/5/23</a:t>
             </a:fld>
             <a:endParaRPr lang="en-US"/>
           </a:p>
@@ -1321,7 +1321,7 @@
           <a:p>
             <a:fld id="{D7FAFFF7-A8A4-7946-B6C2-8B2A49ECA073}" type="datetimeFigureOut">
               <a:rPr lang="en-US" smtClean="0"/>
-              <a:t>6/8/2023</a:t>
+              <a:t>6/5/23</a:t>
             </a:fld>
             <a:endParaRPr lang="en-US"/>
           </a:p>
@@ -1501,7 +1501,7 @@
           <a:p>
             <a:fld id="{D7FAFFF7-A8A4-7946-B6C2-8B2A49ECA073}" type="datetimeFigureOut">
               <a:rPr lang="en-US" smtClean="0"/>
-              <a:t>6/8/2023</a:t>
+              <a:t>6/5/23</a:t>
             </a:fld>
             <a:endParaRPr lang="en-US"/>
           </a:p>
@@ -1671,7 +1671,7 @@
           <a:p>
             <a:fld id="{D7FAFFF7-A8A4-7946-B6C2-8B2A49ECA073}" type="datetimeFigureOut">
               <a:rPr lang="en-US" smtClean="0"/>
-              <a:t>6/8/2023</a:t>
+              <a:t>6/5/23</a:t>
             </a:fld>
             <a:endParaRPr lang="en-US"/>
           </a:p>
@@ -1939,7 +1939,7 @@
           <a:p>
             <a:fld id="{D7FAFFF7-A8A4-7946-B6C2-8B2A49ECA073}" type="datetimeFigureOut">
               <a:rPr lang="en-US" smtClean="0"/>
-              <a:t>6/8/2023</a:t>
+              <a:t>6/5/23</a:t>
             </a:fld>
             <a:endParaRPr lang="en-US"/>
           </a:p>
@@ -2171,7 +2171,7 @@
           <a:p>
             <a:fld id="{D7FAFFF7-A8A4-7946-B6C2-8B2A49ECA073}" type="datetimeFigureOut">
               <a:rPr lang="en-US" smtClean="0"/>
-              <a:t>6/8/2023</a:t>
+              <a:t>6/5/23</a:t>
             </a:fld>
             <a:endParaRPr lang="en-US"/>
           </a:p>
@@ -2530,7 +2530,7 @@
           <a:p>
             <a:fld id="{D7FAFFF7-A8A4-7946-B6C2-8B2A49ECA073}" type="datetimeFigureOut">
               <a:rPr lang="en-US" smtClean="0"/>
-              <a:t>6/8/2023</a:t>
+              <a:t>6/5/23</a:t>
             </a:fld>
             <a:endParaRPr lang="en-US"/>
           </a:p>
@@ -2671,7 +2671,7 @@
           <a:p>
             <a:fld id="{D7FAFFF7-A8A4-7946-B6C2-8B2A49ECA073}" type="datetimeFigureOut">
               <a:rPr lang="en-US" smtClean="0"/>
-              <a:t>6/8/2023</a:t>
+              <a:t>6/5/23</a:t>
             </a:fld>
             <a:endParaRPr lang="en-US"/>
           </a:p>
@@ -2766,7 +2766,7 @@
           <a:p>
             <a:fld id="{D7FAFFF7-A8A4-7946-B6C2-8B2A49ECA073}" type="datetimeFigureOut">
               <a:rPr lang="en-US" smtClean="0"/>
-              <a:t>6/8/2023</a:t>
+              <a:t>6/5/23</a:t>
             </a:fld>
             <a:endParaRPr lang="en-US"/>
           </a:p>
@@ -3123,7 +3123,7 @@
           <a:p>
             <a:fld id="{D7FAFFF7-A8A4-7946-B6C2-8B2A49ECA073}" type="datetimeFigureOut">
               <a:rPr lang="en-US" smtClean="0"/>
-              <a:t>6/8/2023</a:t>
+              <a:t>6/5/23</a:t>
             </a:fld>
             <a:endParaRPr lang="en-US"/>
           </a:p>
@@ -3480,7 +3480,7 @@
           <a:p>
             <a:fld id="{D7FAFFF7-A8A4-7946-B6C2-8B2A49ECA073}" type="datetimeFigureOut">
               <a:rPr lang="en-US" smtClean="0"/>
-              <a:t>6/8/2023</a:t>
+              <a:t>6/5/23</a:t>
             </a:fld>
             <a:endParaRPr lang="en-US"/>
           </a:p>
@@ -3722,7 +3722,7 @@
           <a:p>
             <a:fld id="{D7FAFFF7-A8A4-7946-B6C2-8B2A49ECA073}" type="datetimeFigureOut">
               <a:rPr lang="en-US" smtClean="0"/>
-              <a:t>6/8/2023</a:t>
+              <a:t>6/5/23</a:t>
             </a:fld>
             <a:endParaRPr lang="en-US"/>
           </a:p>
@@ -4419,7 +4419,7 @@
         <p:spPr>
           <a:xfrm>
             <a:off x="4541421" y="2496893"/>
-            <a:ext cx="3109158" cy="2585323"/>
+            <a:ext cx="3109158" cy="2308324"/>
           </a:xfrm>
           <a:prstGeom prst="rect">
             <a:avLst/>
@@ -4443,13 +4443,7 @@
           <a:p>
             <a:r>
               <a:rPr lang="en-US" dirty="0"/>
-              <a:t>Loss = 12.6256</a:t>
-            </a:r>
-          </a:p>
-          <a:p>
-            <a:r>
-              <a:rPr lang="en-US" dirty="0"/>
-              <a:t>R-Squared Value = 0.7562</a:t>
+              <a:t>R-Squared Value = 0.86</a:t>
             </a:r>
           </a:p>
           <a:p>
@@ -4465,13 +4459,13 @@
             </a:r>
             <a:r>
               <a:rPr lang="en-US" dirty="0"/>
-              <a:t> = 7.2005</a:t>
+              <a:t> = NA</a:t>
             </a:r>
           </a:p>
           <a:p>
             <a:r>
               <a:rPr lang="en-US" dirty="0"/>
-              <a:t>RMSE = 3.553</a:t>
+              <a:t>RMSE = 14.55</a:t>
             </a:r>
           </a:p>
           <a:p>
@@ -4500,7 +4494,7 @@
         <p:spPr>
           <a:xfrm>
             <a:off x="8158838" y="2476507"/>
-            <a:ext cx="3109158" cy="3693319"/>
+            <a:ext cx="3109158" cy="3416320"/>
           </a:xfrm>
           <a:prstGeom prst="rect">
             <a:avLst/>
@@ -4524,13 +4518,7 @@
           <a:p>
             <a:r>
               <a:rPr lang="en-US" dirty="0"/>
-              <a:t>Loss = 8.7319</a:t>
-            </a:r>
-          </a:p>
-          <a:p>
-            <a:r>
-              <a:rPr lang="en-US" dirty="0"/>
-              <a:t>R-Squared Value = 0.8312</a:t>
+              <a:t>R-Squared Value = 0.83</a:t>
             </a:r>
           </a:p>
           <a:p>
@@ -4552,7 +4540,7 @@
           <a:p>
             <a:r>
               <a:rPr lang="en-US" dirty="0"/>
-              <a:t>RMSE = 2.955</a:t>
+              <a:t>RMSE = 2.96</a:t>
             </a:r>
           </a:p>
           <a:p>
@@ -4584,7 +4572,7 @@
         <p:spPr>
           <a:xfrm>
             <a:off x="924004" y="2476507"/>
-            <a:ext cx="3109158" cy="2308324"/>
+            <a:ext cx="3109158" cy="2031325"/>
           </a:xfrm>
           <a:prstGeom prst="rect">
             <a:avLst/>
@@ -4599,7 +4587,7 @@
           <a:p>
             <a:r>
               <a:rPr lang="en-US" dirty="0"/>
-              <a:t>Linear Regression:</a:t>
+              <a:t>Linear Regression</a:t>
             </a:r>
           </a:p>
           <a:p>
@@ -4608,13 +4596,7 @@
           <a:p>
             <a:r>
               <a:rPr lang="en-US" dirty="0"/>
-              <a:t>Loss = 14.943</a:t>
-            </a:r>
-          </a:p>
-          <a:p>
-            <a:r>
-              <a:rPr lang="en-US" dirty="0"/>
-              <a:t>R-Squared Value = 0.743</a:t>
+              <a:t>R-Squared Value = 0.56</a:t>
             </a:r>
           </a:p>
           <a:p>
@@ -4639,13 +4621,13 @@
             </a:r>
             <a:r>
               <a:rPr lang="en-US" dirty="0"/>
-              <a:t>= 7.6946</a:t>
+              <a:t>= NA</a:t>
             </a:r>
           </a:p>
           <a:p>
             <a:r>
               <a:rPr lang="en-US" dirty="0"/>
-              <a:t>RMSE = 3.8656</a:t>
+              <a:t>RMSE = 45.42</a:t>
             </a:r>
           </a:p>
           <a:p>
@@ -4745,13 +4727,13 @@
           <a:p>
             <a:r>
               <a:rPr lang="en-US" dirty="0"/>
-              <a:t>R-Squared Value = 0.8312</a:t>
+              <a:t>R-Squared Value = 0.83</a:t>
             </a:r>
           </a:p>
           <a:p>
             <a:r>
               <a:rPr lang="en-US" dirty="0"/>
-              <a:t>RMSE  = 2.955</a:t>
+              <a:t>RMSE  = 2.96</a:t>
             </a:r>
           </a:p>
           <a:p>
@@ -5416,45 +5398,8 @@
                 <a:effectLst/>
                 <a:latin typeface="-apple-system"/>
               </a:rPr>
-              <a:t>Regression analysis – neural network optimized model had a R-squared value </a:t>
-            </a:r>
-            <a:r>
-              <a:rPr lang="en-US" b="0" i="0">
-                <a:solidFill>
-                  <a:srgbClr val="1F2328"/>
-                </a:solidFill>
-                <a:effectLst/>
-                <a:latin typeface="-apple-system"/>
-              </a:rPr>
-              <a:t>of 0.8312 </a:t>
-            </a:r>
-            <a:r>
-              <a:rPr lang="en-US" b="0" i="0" dirty="0">
-                <a:solidFill>
-                  <a:srgbClr val="1F2328"/>
-                </a:solidFill>
-                <a:effectLst/>
-                <a:latin typeface="-apple-system"/>
-              </a:rPr>
-              <a:t>and an RMSE of 2.955 with a target y variable standard deviation </a:t>
-            </a:r>
-            <a:r>
-              <a:rPr lang="en-US" b="0" i="0">
-                <a:solidFill>
-                  <a:srgbClr val="1F2328"/>
-                </a:solidFill>
-                <a:effectLst/>
-                <a:latin typeface="-apple-system"/>
-              </a:rPr>
-              <a:t>of 7.1963. </a:t>
-            </a:r>
-            <a:endParaRPr lang="en-US" b="0" i="0" dirty="0">
-              <a:solidFill>
-                <a:srgbClr val="1F2328"/>
-              </a:solidFill>
-              <a:effectLst/>
-              <a:latin typeface="-apple-system"/>
-            </a:endParaRPr>
+              <a:t>Regression analysis – neural network optimized model had a R-squared value of 0.83 and an RMSE of 2.96 with a target y variable standard deviation of 7.2. </a:t>
+            </a:r>
           </a:p>
           <a:p>
             <a:r>

--- a/ObesityRiskFactors.pptx
+++ b/ObesityRiskFactors.pptx
@@ -211,7 +211,7 @@
           <a:p>
             <a:fld id="{502849AC-9339-E34F-BA9E-F5D7A77A3746}" type="datetimeFigureOut">
               <a:rPr lang="en-US" smtClean="0"/>
-              <a:t>6/5/23</a:t>
+              <a:t>6/8/2023</a:t>
             </a:fld>
             <a:endParaRPr lang="en-US"/>
           </a:p>
@@ -1151,7 +1151,7 @@
           <a:p>
             <a:fld id="{D7FAFFF7-A8A4-7946-B6C2-8B2A49ECA073}" type="datetimeFigureOut">
               <a:rPr lang="en-US" smtClean="0"/>
-              <a:t>6/5/23</a:t>
+              <a:t>6/8/2023</a:t>
             </a:fld>
             <a:endParaRPr lang="en-US"/>
           </a:p>
@@ -1321,7 +1321,7 @@
           <a:p>
             <a:fld id="{D7FAFFF7-A8A4-7946-B6C2-8B2A49ECA073}" type="datetimeFigureOut">
               <a:rPr lang="en-US" smtClean="0"/>
-              <a:t>6/5/23</a:t>
+              <a:t>6/8/2023</a:t>
             </a:fld>
             <a:endParaRPr lang="en-US"/>
           </a:p>
@@ -1501,7 +1501,7 @@
           <a:p>
             <a:fld id="{D7FAFFF7-A8A4-7946-B6C2-8B2A49ECA073}" type="datetimeFigureOut">
               <a:rPr lang="en-US" smtClean="0"/>
-              <a:t>6/5/23</a:t>
+              <a:t>6/8/2023</a:t>
             </a:fld>
             <a:endParaRPr lang="en-US"/>
           </a:p>
@@ -1671,7 +1671,7 @@
           <a:p>
             <a:fld id="{D7FAFFF7-A8A4-7946-B6C2-8B2A49ECA073}" type="datetimeFigureOut">
               <a:rPr lang="en-US" smtClean="0"/>
-              <a:t>6/5/23</a:t>
+              <a:t>6/8/2023</a:t>
             </a:fld>
             <a:endParaRPr lang="en-US"/>
           </a:p>
@@ -1939,7 +1939,7 @@
           <a:p>
             <a:fld id="{D7FAFFF7-A8A4-7946-B6C2-8B2A49ECA073}" type="datetimeFigureOut">
               <a:rPr lang="en-US" smtClean="0"/>
-              <a:t>6/5/23</a:t>
+              <a:t>6/8/2023</a:t>
             </a:fld>
             <a:endParaRPr lang="en-US"/>
           </a:p>
@@ -2171,7 +2171,7 @@
           <a:p>
             <a:fld id="{D7FAFFF7-A8A4-7946-B6C2-8B2A49ECA073}" type="datetimeFigureOut">
               <a:rPr lang="en-US" smtClean="0"/>
-              <a:t>6/5/23</a:t>
+              <a:t>6/8/2023</a:t>
             </a:fld>
             <a:endParaRPr lang="en-US"/>
           </a:p>
@@ -2530,7 +2530,7 @@
           <a:p>
             <a:fld id="{D7FAFFF7-A8A4-7946-B6C2-8B2A49ECA073}" type="datetimeFigureOut">
               <a:rPr lang="en-US" smtClean="0"/>
-              <a:t>6/5/23</a:t>
+              <a:t>6/8/2023</a:t>
             </a:fld>
             <a:endParaRPr lang="en-US"/>
           </a:p>
@@ -2671,7 +2671,7 @@
           <a:p>
             <a:fld id="{D7FAFFF7-A8A4-7946-B6C2-8B2A49ECA073}" type="datetimeFigureOut">
               <a:rPr lang="en-US" smtClean="0"/>
-              <a:t>6/5/23</a:t>
+              <a:t>6/8/2023</a:t>
             </a:fld>
             <a:endParaRPr lang="en-US"/>
           </a:p>
@@ -2766,7 +2766,7 @@
           <a:p>
             <a:fld id="{D7FAFFF7-A8A4-7946-B6C2-8B2A49ECA073}" type="datetimeFigureOut">
               <a:rPr lang="en-US" smtClean="0"/>
-              <a:t>6/5/23</a:t>
+              <a:t>6/8/2023</a:t>
             </a:fld>
             <a:endParaRPr lang="en-US"/>
           </a:p>
@@ -3123,7 +3123,7 @@
           <a:p>
             <a:fld id="{D7FAFFF7-A8A4-7946-B6C2-8B2A49ECA073}" type="datetimeFigureOut">
               <a:rPr lang="en-US" smtClean="0"/>
-              <a:t>6/5/23</a:t>
+              <a:t>6/8/2023</a:t>
             </a:fld>
             <a:endParaRPr lang="en-US"/>
           </a:p>
@@ -3480,7 +3480,7 @@
           <a:p>
             <a:fld id="{D7FAFFF7-A8A4-7946-B6C2-8B2A49ECA073}" type="datetimeFigureOut">
               <a:rPr lang="en-US" smtClean="0"/>
-              <a:t>6/5/23</a:t>
+              <a:t>6/8/2023</a:t>
             </a:fld>
             <a:endParaRPr lang="en-US"/>
           </a:p>
@@ -3722,7 +3722,7 @@
           <a:p>
             <a:fld id="{D7FAFFF7-A8A4-7946-B6C2-8B2A49ECA073}" type="datetimeFigureOut">
               <a:rPr lang="en-US" smtClean="0"/>
-              <a:t>6/5/23</a:t>
+              <a:t>6/8/2023</a:t>
             </a:fld>
             <a:endParaRPr lang="en-US"/>
           </a:p>
@@ -4419,7 +4419,7 @@
         <p:spPr>
           <a:xfrm>
             <a:off x="4541421" y="2496893"/>
-            <a:ext cx="3109158" cy="2308324"/>
+            <a:ext cx="3109158" cy="2585323"/>
           </a:xfrm>
           <a:prstGeom prst="rect">
             <a:avLst/>
@@ -4443,7 +4443,13 @@
           <a:p>
             <a:r>
               <a:rPr lang="en-US" dirty="0"/>
-              <a:t>R-Squared Value = 0.86</a:t>
+              <a:t>Loss = 12.6256</a:t>
+            </a:r>
+          </a:p>
+          <a:p>
+            <a:r>
+              <a:rPr lang="en-US" dirty="0"/>
+              <a:t>R-Squared Value = 0.7562</a:t>
             </a:r>
           </a:p>
           <a:p>
@@ -4459,13 +4465,13 @@
             </a:r>
             <a:r>
               <a:rPr lang="en-US" dirty="0"/>
-              <a:t> = NA</a:t>
+              <a:t> = 7.2005</a:t>
             </a:r>
           </a:p>
           <a:p>
             <a:r>
               <a:rPr lang="en-US" dirty="0"/>
-              <a:t>RMSE = 14.55</a:t>
+              <a:t>RMSE = 3.553</a:t>
             </a:r>
           </a:p>
           <a:p>
@@ -4494,7 +4500,7 @@
         <p:spPr>
           <a:xfrm>
             <a:off x="8158838" y="2476507"/>
-            <a:ext cx="3109158" cy="3416320"/>
+            <a:ext cx="3109158" cy="3693319"/>
           </a:xfrm>
           <a:prstGeom prst="rect">
             <a:avLst/>
@@ -4518,7 +4524,13 @@
           <a:p>
             <a:r>
               <a:rPr lang="en-US" dirty="0"/>
-              <a:t>R-Squared Value = 0.83</a:t>
+              <a:t>Loss = 8.7319</a:t>
+            </a:r>
+          </a:p>
+          <a:p>
+            <a:r>
+              <a:rPr lang="en-US" dirty="0"/>
+              <a:t>R-Squared Value = 0.8312</a:t>
             </a:r>
           </a:p>
           <a:p>
@@ -4540,7 +4552,7 @@
           <a:p>
             <a:r>
               <a:rPr lang="en-US" dirty="0"/>
-              <a:t>RMSE = 2.96</a:t>
+              <a:t>RMSE = 2.955</a:t>
             </a:r>
           </a:p>
           <a:p>
@@ -4572,7 +4584,7 @@
         <p:spPr>
           <a:xfrm>
             <a:off x="924004" y="2476507"/>
-            <a:ext cx="3109158" cy="2031325"/>
+            <a:ext cx="3109158" cy="2308324"/>
           </a:xfrm>
           <a:prstGeom prst="rect">
             <a:avLst/>
@@ -4587,7 +4599,7 @@
           <a:p>
             <a:r>
               <a:rPr lang="en-US" dirty="0"/>
-              <a:t>Linear Regression</a:t>
+              <a:t>Linear Regression:</a:t>
             </a:r>
           </a:p>
           <a:p>
@@ -4596,7 +4608,13 @@
           <a:p>
             <a:r>
               <a:rPr lang="en-US" dirty="0"/>
-              <a:t>R-Squared Value = 0.56</a:t>
+              <a:t>Loss = 14.943</a:t>
+            </a:r>
+          </a:p>
+          <a:p>
+            <a:r>
+              <a:rPr lang="en-US" dirty="0"/>
+              <a:t>R-Squared Value = 0.743</a:t>
             </a:r>
           </a:p>
           <a:p>
@@ -4621,13 +4639,13 @@
             </a:r>
             <a:r>
               <a:rPr lang="en-US" dirty="0"/>
-              <a:t>= NA</a:t>
+              <a:t>= 7.6946</a:t>
             </a:r>
           </a:p>
           <a:p>
             <a:r>
               <a:rPr lang="en-US" dirty="0"/>
-              <a:t>RMSE = 45.42</a:t>
+              <a:t>RMSE = 3.8656</a:t>
             </a:r>
           </a:p>
           <a:p>
@@ -4727,13 +4745,13 @@
           <a:p>
             <a:r>
               <a:rPr lang="en-US" dirty="0"/>
-              <a:t>R-Squared Value = 0.83</a:t>
+              <a:t>R-Squared Value = 0.8312</a:t>
             </a:r>
           </a:p>
           <a:p>
             <a:r>
               <a:rPr lang="en-US" dirty="0"/>
-              <a:t>RMSE  = 2.96</a:t>
+              <a:t>RMSE  = 2.955</a:t>
             </a:r>
           </a:p>
           <a:p>
@@ -5398,8 +5416,45 @@
                 <a:effectLst/>
                 <a:latin typeface="-apple-system"/>
               </a:rPr>
-              <a:t>Regression analysis – neural network optimized model had a R-squared value of 0.83 and an RMSE of 2.96 with a target y variable standard deviation of 7.2. </a:t>
-            </a:r>
+              <a:t>Regression analysis – neural network optimized model had a R-squared value </a:t>
+            </a:r>
+            <a:r>
+              <a:rPr lang="en-US" b="0" i="0">
+                <a:solidFill>
+                  <a:srgbClr val="1F2328"/>
+                </a:solidFill>
+                <a:effectLst/>
+                <a:latin typeface="-apple-system"/>
+              </a:rPr>
+              <a:t>of 0.8312 </a:t>
+            </a:r>
+            <a:r>
+              <a:rPr lang="en-US" b="0" i="0" dirty="0">
+                <a:solidFill>
+                  <a:srgbClr val="1F2328"/>
+                </a:solidFill>
+                <a:effectLst/>
+                <a:latin typeface="-apple-system"/>
+              </a:rPr>
+              <a:t>and an RMSE of 2.955 with a target y variable standard deviation </a:t>
+            </a:r>
+            <a:r>
+              <a:rPr lang="en-US" b="0" i="0">
+                <a:solidFill>
+                  <a:srgbClr val="1F2328"/>
+                </a:solidFill>
+                <a:effectLst/>
+                <a:latin typeface="-apple-system"/>
+              </a:rPr>
+              <a:t>of 7.1963. </a:t>
+            </a:r>
+            <a:endParaRPr lang="en-US" b="0" i="0" dirty="0">
+              <a:solidFill>
+                <a:srgbClr val="1F2328"/>
+              </a:solidFill>
+              <a:effectLst/>
+              <a:latin typeface="-apple-system"/>
+            </a:endParaRPr>
           </a:p>
           <a:p>
             <a:r>

--- a/ObesityRiskFactors.pptx
+++ b/ObesityRiskFactors.pptx
@@ -4197,9 +4197,16 @@
           </a:xfrm>
         </p:spPr>
         <p:txBody>
-          <a:bodyPr/>
-          <a:lstStyle/>
-          <a:p>
+          <a:bodyPr>
+            <a:normAutofit/>
+          </a:bodyPr>
+          <a:lstStyle/>
+          <a:p>
+            <a:pPr>
+              <a:lnSpc>
+                <a:spcPct val="100000"/>
+              </a:lnSpc>
+            </a:pPr>
             <a:r>
               <a:rPr lang="en-US" dirty="0"/>
               <a:t>Obesity Risk Factors</a:t>
@@ -4905,17 +4912,17 @@
           <a:p>
             <a:r>
               <a:rPr lang="en-US" dirty="0"/>
-              <a:t>The model will predict any combination of features and give a percent of adults who have obesity </a:t>
+              <a:t>The model will predict any combination of features and give a percentage of adults who have obesity </a:t>
             </a:r>
           </a:p>
         </p:txBody>
       </p:sp>
       <p:pic>
         <p:nvPicPr>
-          <p:cNvPr id="7" name="Picture 6">
+          <p:cNvPr id="5" name="Picture 4" descr="A picture containing text, screenshot, diagram, line&#10;&#10;Description automatically generated">
             <a:extLst>
               <a:ext uri="{FF2B5EF4-FFF2-40B4-BE49-F238E27FC236}">
-                <a16:creationId xmlns:a16="http://schemas.microsoft.com/office/drawing/2014/main" id="{C0754E89-7C6C-6F03-899B-C89ACBD9DAF4}"/>
+                <a16:creationId xmlns:a16="http://schemas.microsoft.com/office/drawing/2014/main" id="{B886AA49-1A5B-E730-50AE-056E1E10C3AF}"/>
               </a:ext>
             </a:extLst>
           </p:cNvPr>
@@ -4932,8 +4939,8 @@
         </p:blipFill>
         <p:spPr>
           <a:xfrm>
-            <a:off x="5245162" y="2259235"/>
-            <a:ext cx="4715702" cy="4502322"/>
+            <a:off x="5074649" y="2283511"/>
+            <a:ext cx="4917711" cy="4457154"/>
           </a:xfrm>
           <a:prstGeom prst="rect">
             <a:avLst/>

--- a/ObesityRiskFactors.pptx
+++ b/ObesityRiskFactors.pptx
@@ -4406,7 +4406,7 @@
           <a:p>
             <a:r>
               <a:rPr lang="en-US" dirty="0"/>
-              <a:t>Optimization process	3 models </a:t>
+              <a:t>Optimization process - 3 models </a:t>
             </a:r>
           </a:p>
         </p:txBody>
@@ -4450,13 +4450,13 @@
           <a:p>
             <a:r>
               <a:rPr lang="en-US" dirty="0"/>
-              <a:t>Loss = 12.6256</a:t>
+              <a:t>Loss = 12.62</a:t>
             </a:r>
           </a:p>
           <a:p>
             <a:r>
               <a:rPr lang="en-US" dirty="0"/>
-              <a:t>R-Squared Value = 0.7562</a:t>
+              <a:t>R-Squared Value = 0.76</a:t>
             </a:r>
           </a:p>
           <a:p>
@@ -4472,13 +4472,13 @@
             </a:r>
             <a:r>
               <a:rPr lang="en-US" dirty="0"/>
-              <a:t> = 7.2005</a:t>
+              <a:t> = 7.20</a:t>
             </a:r>
           </a:p>
           <a:p>
             <a:r>
               <a:rPr lang="en-US" dirty="0"/>
-              <a:t>RMSE = 3.553</a:t>
+              <a:t>RMSE = 3.55</a:t>
             </a:r>
           </a:p>
           <a:p>
@@ -4506,7 +4506,7 @@
         </p:nvSpPr>
         <p:spPr>
           <a:xfrm>
-            <a:off x="8158838" y="2476507"/>
+            <a:off x="8158838" y="2496893"/>
             <a:ext cx="3109158" cy="3693319"/>
           </a:xfrm>
           <a:prstGeom prst="rect">
@@ -4531,13 +4531,13 @@
           <a:p>
             <a:r>
               <a:rPr lang="en-US" dirty="0"/>
-              <a:t>Loss = 8.7319</a:t>
+              <a:t>Loss = 8.73</a:t>
             </a:r>
           </a:p>
           <a:p>
             <a:r>
               <a:rPr lang="en-US" dirty="0"/>
-              <a:t>R-Squared Value = 0.8312</a:t>
+              <a:t>R-Squared Value = 0.83</a:t>
             </a:r>
           </a:p>
           <a:p>
@@ -4559,7 +4559,7 @@
           <a:p>
             <a:r>
               <a:rPr lang="en-US" dirty="0"/>
-              <a:t>RMSE = 2.955</a:t>
+              <a:t>RMSE = 2.95</a:t>
             </a:r>
           </a:p>
           <a:p>
@@ -4615,13 +4615,13 @@
           <a:p>
             <a:r>
               <a:rPr lang="en-US" dirty="0"/>
-              <a:t>Loss = 14.943</a:t>
+              <a:t>Loss = 14.94</a:t>
             </a:r>
           </a:p>
           <a:p>
             <a:r>
               <a:rPr lang="en-US" dirty="0"/>
-              <a:t>R-Squared Value = 0.743</a:t>
+              <a:t>R-Squared Value = 0.74</a:t>
             </a:r>
           </a:p>
           <a:p>
@@ -4646,13 +4646,13 @@
             </a:r>
             <a:r>
               <a:rPr lang="en-US" dirty="0"/>
-              <a:t>= 7.6946</a:t>
+              <a:t>= 7.69</a:t>
             </a:r>
           </a:p>
           <a:p>
             <a:r>
               <a:rPr lang="en-US" dirty="0"/>
-              <a:t>RMSE = 3.8656</a:t>
+              <a:t>RMSE = 3.86</a:t>
             </a:r>
           </a:p>
           <a:p>
@@ -4872,7 +4872,12 @@
             <p:ph type="title"/>
           </p:nvPr>
         </p:nvSpPr>
-        <p:spPr/>
+        <p:spPr>
+          <a:xfrm>
+            <a:off x="2231136" y="810944"/>
+            <a:ext cx="7729728" cy="1188720"/>
+          </a:xfrm>
+        </p:spPr>
         <p:txBody>
           <a:bodyPr/>
           <a:lstStyle/>
@@ -4939,8 +4944,8 @@
         </p:blipFill>
         <p:spPr>
           <a:xfrm>
-            <a:off x="5074649" y="2283511"/>
-            <a:ext cx="4917711" cy="4457154"/>
+            <a:off x="5033537" y="2243050"/>
+            <a:ext cx="4999935" cy="4531677"/>
           </a:xfrm>
           <a:prstGeom prst="rect">
             <a:avLst/>
@@ -5379,7 +5384,7 @@
                 <a:effectLst/>
                 <a:latin typeface="-apple-system"/>
               </a:rPr>
-              <a:t>Data included was overweight classification, physical activity, location, income level, education, gender and race</a:t>
+              <a:t>Data included was overweight classification, physical activity, location, income level, education, gender and race.</a:t>
             </a:r>
           </a:p>
           <a:p>
@@ -5423,45 +5428,8 @@
                 <a:effectLst/>
                 <a:latin typeface="-apple-system"/>
               </a:rPr>
-              <a:t>Regression analysis – neural network optimized model had a R-squared value </a:t>
-            </a:r>
-            <a:r>
-              <a:rPr lang="en-US" b="0" i="0">
-                <a:solidFill>
-                  <a:srgbClr val="1F2328"/>
-                </a:solidFill>
-                <a:effectLst/>
-                <a:latin typeface="-apple-system"/>
-              </a:rPr>
-              <a:t>of 0.8312 </a:t>
-            </a:r>
-            <a:r>
-              <a:rPr lang="en-US" b="0" i="0" dirty="0">
-                <a:solidFill>
-                  <a:srgbClr val="1F2328"/>
-                </a:solidFill>
-                <a:effectLst/>
-                <a:latin typeface="-apple-system"/>
-              </a:rPr>
-              <a:t>and an RMSE of 2.955 with a target y variable standard deviation </a:t>
-            </a:r>
-            <a:r>
-              <a:rPr lang="en-US" b="0" i="0">
-                <a:solidFill>
-                  <a:srgbClr val="1F2328"/>
-                </a:solidFill>
-                <a:effectLst/>
-                <a:latin typeface="-apple-system"/>
-              </a:rPr>
-              <a:t>of 7.1963. </a:t>
-            </a:r>
-            <a:endParaRPr lang="en-US" b="0" i="0" dirty="0">
-              <a:solidFill>
-                <a:srgbClr val="1F2328"/>
-              </a:solidFill>
-              <a:effectLst/>
-              <a:latin typeface="-apple-system"/>
-            </a:endParaRPr>
+              <a:t>Regression analysis – neural network optimized model had a R-squared value of 0.8312 and an RMSE of 2.955 with a target y variable standard deviation of 7.1963. </a:t>
+            </a:r>
           </a:p>
           <a:p>
             <a:r>
@@ -5616,7 +5584,12 @@
             <p:ph type="title"/>
           </p:nvPr>
         </p:nvSpPr>
-        <p:spPr/>
+        <p:spPr>
+          <a:xfrm>
+            <a:off x="2231136" y="781003"/>
+            <a:ext cx="7729728" cy="1188720"/>
+          </a:xfrm>
+        </p:spPr>
         <p:txBody>
           <a:bodyPr/>
           <a:lstStyle/>
@@ -5652,8 +5625,8 @@
         </p:blipFill>
         <p:spPr>
           <a:xfrm>
-            <a:off x="639379" y="2312089"/>
-            <a:ext cx="6908800" cy="3670300"/>
+            <a:off x="558350" y="2269042"/>
+            <a:ext cx="6989829" cy="3713347"/>
           </a:xfrm>
         </p:spPr>
       </p:pic>
@@ -5731,7 +5704,7 @@
             </a:pPr>
             <a:r>
               <a:rPr lang="en-US" dirty="0"/>
-              <a:t>Incomplete longitudinally, more complete survey question in odd years with decreased participation seen in even years </a:t>
+              <a:t>Incomplete longitudinally, more complete survey questions in odd years with decreased participation seen in even years </a:t>
             </a:r>
           </a:p>
           <a:p>
@@ -5748,7 +5721,7 @@
             </a:pPr>
             <a:r>
               <a:rPr lang="en-US" dirty="0"/>
-              <a:t>Initial rows 88,600</a:t>
+              <a:t>Initial rows: 88,629</a:t>
             </a:r>
           </a:p>
           <a:p>
@@ -6476,14 +6449,19 @@
             <p:ph type="title"/>
           </p:nvPr>
         </p:nvSpPr>
-        <p:spPr/>
+        <p:spPr>
+          <a:xfrm>
+            <a:off x="2231136" y="728283"/>
+            <a:ext cx="7729728" cy="1196352"/>
+          </a:xfrm>
+        </p:spPr>
         <p:txBody>
           <a:bodyPr/>
           <a:lstStyle/>
           <a:p>
             <a:r>
               <a:rPr lang="en-US" dirty="0"/>
-              <a:t>Dependencies	</a:t>
+              <a:t>Dependencies</a:t>
             </a:r>
           </a:p>
         </p:txBody>
@@ -6515,10 +6493,14 @@
           <a:lstStyle/>
           <a:p>
             <a:r>
+              <a:rPr lang="en-US" dirty="0" err="1"/>
+              <a:t>P</a:t>
+            </a:r>
+            <a:r>
               <a:rPr lang="en-US" b="0" i="0" dirty="0" err="1">
                 <a:effectLst/>
               </a:rPr>
-              <a:t>pyspark</a:t>
+              <a:t>ySpark</a:t>
             </a:r>
             <a:r>
               <a:rPr lang="en-US" b="0" i="0" dirty="0">
@@ -6615,10 +6597,14 @@
           </a:p>
           <a:p>
             <a:r>
+              <a:rPr lang="en-US" dirty="0"/>
+              <a:t>P</a:t>
+            </a:r>
+            <a:r>
               <a:rPr lang="en-US" b="0" i="0" dirty="0">
                 <a:effectLst/>
               </a:rPr>
-              <a:t>pandas (</a:t>
+              <a:t>andas (</a:t>
             </a:r>
             <a:r>
               <a:rPr lang="en-US" b="0" i="0" dirty="0" err="1">
@@ -6636,7 +6622,7 @@
           <a:p>
             <a:r>
               <a:rPr lang="en-US" dirty="0"/>
-              <a:t>matplotlib</a:t>
+              <a:t>Matplotlib</a:t>
             </a:r>
             <a:endParaRPr lang="en-US" b="0" i="0" dirty="0">
               <a:effectLst/>
@@ -6644,28 +6630,10 @@
           </a:p>
           <a:p>
             <a:r>
-              <a:rPr lang="en-US" b="0" i="0" dirty="0" err="1">
-                <a:effectLst/>
-              </a:rPr>
-              <a:t>st</a:t>
-            </a:r>
-            <a:r>
               <a:rPr lang="en-US" b="0" i="0" dirty="0">
                 <a:effectLst/>
               </a:rPr>
-              <a:t> (</a:t>
-            </a:r>
-            <a:r>
-              <a:rPr lang="en-US" b="0" i="0" dirty="0" err="1">
-                <a:effectLst/>
-              </a:rPr>
-              <a:t>tensorflow</a:t>
-            </a:r>
-            <a:r>
-              <a:rPr lang="en-US" b="0" i="0" dirty="0">
-                <a:effectLst/>
-              </a:rPr>
-              <a:t>)</a:t>
+              <a:t>TensorFlow</a:t>
             </a:r>
             <a:endParaRPr lang="en-US" dirty="0"/>
           </a:p>
@@ -6807,14 +6775,19 @@
             <p:ph type="title"/>
           </p:nvPr>
         </p:nvSpPr>
-        <p:spPr/>
+        <p:spPr>
+          <a:xfrm>
+            <a:off x="2231136" y="811757"/>
+            <a:ext cx="7729728" cy="1188720"/>
+          </a:xfrm>
+        </p:spPr>
         <p:txBody>
           <a:bodyPr/>
           <a:lstStyle/>
           <a:p>
             <a:r>
               <a:rPr lang="en-US" dirty="0"/>
-              <a:t>Spark 	</a:t>
+              <a:t>Spark</a:t>
             </a:r>
           </a:p>
         </p:txBody>

--- a/ObesityRiskFactors.pptx
+++ b/ObesityRiskFactors.pptx
@@ -4874,7 +4874,7 @@
         </p:nvSpPr>
         <p:spPr>
           <a:xfrm>
-            <a:off x="2231136" y="810944"/>
+            <a:off x="2231136" y="543906"/>
             <a:ext cx="7729728" cy="1188720"/>
           </a:xfrm>
         </p:spPr>
@@ -4944,7 +4944,7 @@
         </p:blipFill>
         <p:spPr>
           <a:xfrm>
-            <a:off x="5033537" y="2243050"/>
+            <a:off x="5033537" y="2105485"/>
             <a:ext cx="4999935" cy="4531677"/>
           </a:xfrm>
           <a:prstGeom prst="rect">
@@ -5384,10 +5384,17 @@
                 <a:effectLst/>
                 <a:latin typeface="-apple-system"/>
               </a:rPr>
-              <a:t>Data included was overweight classification, physical activity, location, income level, education, gender and race.</a:t>
-            </a:r>
-          </a:p>
-          <a:p>
+              <a:t>Data included: overweight classification, physical activity, location</a:t>
+            </a:r>
+            <a:r>
+              <a:rPr lang="en-US" dirty="0">
+                <a:solidFill>
+                  <a:srgbClr val="1F2328"/>
+                </a:solidFill>
+                <a:latin typeface="-apple-system"/>
+              </a:rPr>
+              <a:t>,</a:t>
+            </a:r>
             <a:r>
               <a:rPr lang="en-US" b="0" i="0" dirty="0">
                 <a:solidFill>
@@ -5396,18 +5403,10 @@
                 <a:effectLst/>
                 <a:latin typeface="-apple-system"/>
               </a:rPr>
-              <a:t>Factors that were eliminated from the model were years in which less comprehensive data was collected and nutritional attributes (</a:t>
-            </a:r>
-            <a:r>
-              <a:rPr lang="en-US" b="0" i="0" dirty="0" err="1">
-                <a:solidFill>
-                  <a:srgbClr val="1F2328"/>
-                </a:solidFill>
-                <a:effectLst/>
-                <a:latin typeface="-apple-system"/>
-              </a:rPr>
-              <a:t>ie</a:t>
-            </a:r>
+              <a:t> income level, education, gender and race.</a:t>
+            </a:r>
+          </a:p>
+          <a:p>
             <a:r>
               <a:rPr lang="en-US" b="0" i="0" dirty="0">
                 <a:solidFill>
@@ -5416,7 +5415,7 @@
                 <a:effectLst/>
                 <a:latin typeface="-apple-system"/>
               </a:rPr>
-              <a:t>. inclusion of fruits and vegetables in daily diet). </a:t>
+              <a:t>Factors that were eliminated from the model included years in which less comprehensive data was collected and nutritional attributes (i.e. - inclusion of fruits and vegetables in daily diet). </a:t>
             </a:r>
           </a:p>
           <a:p>
